--- a/dare-egi.v1.0.pptx
+++ b/dare-egi.v1.0.pptx
@@ -6,7 +6,7 @@
     <p:sldMasterId id="2147483905" r:id="rId2"/>
   </p:sldMasterIdLst>
   <p:notesMasterIdLst>
-    <p:notesMasterId r:id="rId24"/>
+    <p:notesMasterId r:id="rId22"/>
   </p:notesMasterIdLst>
   <p:sldIdLst>
     <p:sldId id="278" r:id="rId3"/>
@@ -28,8 +28,6 @@
     <p:sldId id="294" r:id="rId19"/>
     <p:sldId id="295" r:id="rId20"/>
     <p:sldId id="286" r:id="rId21"/>
-    <p:sldId id="298" r:id="rId22"/>
-    <p:sldId id="297" r:id="rId23"/>
   </p:sldIdLst>
   <p:sldSz cx="9144000" cy="6858000" type="screen4x3"/>
   <p:notesSz cx="6858000" cy="9144000"/>
@@ -214,7 +212,7 @@
             <a:fld id="{B8744252-FBC8-4416-BAAD-39B86ECB2C35}" type="datetimeFigureOut">
               <a:rPr lang="en-US" smtClean="0"/>
               <a:pPr/>
-              <a:t>4/9/13</a:t>
+              <a:t>4/13/13</a:t>
             </a:fld>
             <a:endParaRPr lang="en-US"/>
           </a:p>
@@ -383,7 +381,7 @@
     </p:spTree>
     <p:extLst>
       <p:ext uri="{BB962C8B-B14F-4D97-AF65-F5344CB8AC3E}">
-        <p14:creationId xmlns="" xmlns:a="http://schemas.openxmlformats.org/drawingml/2006/main" xmlns:r="http://schemas.openxmlformats.org/officeDocument/2006/relationships" xmlns:p="http://schemas.openxmlformats.org/presentationml/2006/main" xmlns:p14="http://schemas.microsoft.com/office/powerpoint/2010/main" xmlns:mv="urn:schemas-microsoft-com:mac:vml" xmlns:mc="http://schemas.openxmlformats.org/markup-compatibility/2006" val="1825793898"/>
+        <p14:creationId xmlns:mc="http://schemas.openxmlformats.org/markup-compatibility/2006" xmlns:mv="urn:schemas-microsoft-com:mac:vml" xmlns:p14="http://schemas.microsoft.com/office/powerpoint/2010/main" xmlns:p="http://schemas.openxmlformats.org/presentationml/2006/main" xmlns:r="http://schemas.openxmlformats.org/officeDocument/2006/relationships" xmlns:a="http://schemas.openxmlformats.org/drawingml/2006/main" xmlns="" val="1825793898"/>
       </p:ext>
     </p:extLst>
   </p:cSld>
@@ -838,95 +836,9 @@
     </p:spTree>
     <p:extLst>
       <p:ext uri="{BB962C8B-B14F-4D97-AF65-F5344CB8AC3E}">
-        <p14:creationId xmlns="" xmlns:a="http://schemas.openxmlformats.org/drawingml/2006/main" xmlns:r="http://schemas.openxmlformats.org/officeDocument/2006/relationships" xmlns:p="http://schemas.openxmlformats.org/presentationml/2006/main" xmlns:p14="http://schemas.microsoft.com/office/powerpoint/2010/main" xmlns:mv="urn:schemas-microsoft-com:mac:vml" xmlns:mc="http://schemas.openxmlformats.org/markup-compatibility/2006" val="524244673"/>
+        <p14:creationId xmlns:mc="http://schemas.openxmlformats.org/markup-compatibility/2006" xmlns:mv="urn:schemas-microsoft-com:mac:vml" xmlns:p14="http://schemas.microsoft.com/office/powerpoint/2010/main" xmlns:p="http://schemas.openxmlformats.org/presentationml/2006/main" xmlns:r="http://schemas.openxmlformats.org/officeDocument/2006/relationships" xmlns:a="http://schemas.openxmlformats.org/drawingml/2006/main" xmlns="" val="524244673"/>
       </p:ext>
     </p:extLst>
-  </p:cSld>
-  <p:clrMapOvr>
-    <a:masterClrMapping/>
-  </p:clrMapOvr>
-</p:notes>
-</file>
-
-<file path=ppt/notesSlides/notesSlide5.xml><?xml version="1.0" encoding="utf-8"?>
-<p:notes xmlns:a="http://schemas.openxmlformats.org/drawingml/2006/main" xmlns:r="http://schemas.openxmlformats.org/officeDocument/2006/relationships" xmlns:mc="http://schemas.openxmlformats.org/markup-compatibility/2006" xmlns:mv="urn:schemas-microsoft-com:mac:vml" xmlns:p="http://schemas.openxmlformats.org/presentationml/2006/main" mc:Ignorable="mv" mc:PreserveAttributes="mv:*">
-  <p:cSld>
-    <p:spTree>
-      <p:nvGrpSpPr>
-        <p:cNvPr id="1" name=""/>
-        <p:cNvGrpSpPr/>
-        <p:nvPr/>
-      </p:nvGrpSpPr>
-      <p:grpSpPr>
-        <a:xfrm>
-          <a:off x="0" y="0"/>
-          <a:ext cx="0" cy="0"/>
-          <a:chOff x="0" y="0"/>
-          <a:chExt cx="0" cy="0"/>
-        </a:xfrm>
-      </p:grpSpPr>
-      <p:sp>
-        <p:nvSpPr>
-          <p:cNvPr id="2" name="Slide Image Placeholder 1"/>
-          <p:cNvSpPr>
-            <a:spLocks noGrp="1" noRot="1" noChangeAspect="1"/>
-          </p:cNvSpPr>
-          <p:nvPr>
-            <p:ph type="sldImg"/>
-          </p:nvPr>
-        </p:nvSpPr>
-        <p:spPr/>
-      </p:sp>
-      <p:sp>
-        <p:nvSpPr>
-          <p:cNvPr id="3" name="Notes Placeholder 2"/>
-          <p:cNvSpPr>
-            <a:spLocks noGrp="1"/>
-          </p:cNvSpPr>
-          <p:nvPr>
-            <p:ph type="body" idx="1"/>
-          </p:nvPr>
-        </p:nvSpPr>
-        <p:spPr/>
-        <p:txBody>
-          <a:bodyPr>
-            <a:normAutofit/>
-          </a:bodyPr>
-          <a:lstStyle/>
-          <a:p>
-            <a:r>
-              <a:rPr lang="en-US" sz="1800" dirty="0" smtClean="0"/>
-              <a:t>Test</a:t>
-            </a:r>
-            <a:endParaRPr lang="en-US" sz="1800" dirty="0"/>
-          </a:p>
-        </p:txBody>
-      </p:sp>
-      <p:sp>
-        <p:nvSpPr>
-          <p:cNvPr id="4" name="Slide Number Placeholder 3"/>
-          <p:cNvSpPr>
-            <a:spLocks noGrp="1"/>
-          </p:cNvSpPr>
-          <p:nvPr>
-            <p:ph type="sldNum" sz="quarter" idx="10"/>
-          </p:nvPr>
-        </p:nvSpPr>
-        <p:spPr/>
-        <p:txBody>
-          <a:bodyPr/>
-          <a:lstStyle/>
-          <a:p>
-            <a:fld id="{AA128B06-2204-4956-B9AE-D105888F53B3}" type="slidenum">
-              <a:rPr lang="en-US" smtClean="0"/>
-              <a:pPr/>
-              <a:t>21</a:t>
-            </a:fld>
-            <a:endParaRPr lang="en-US"/>
-          </a:p>
-        </p:txBody>
-      </p:sp>
-    </p:spTree>
   </p:cSld>
   <p:clrMapOvr>
     <a:masterClrMapping/>
@@ -3653,16 +3565,7 @@
                 </a:solidFill>
                 <a:cs typeface="Times New Roman" pitchFamily="18" charset="0"/>
               </a:rPr>
-              <a:t>Intellectual Motivation:  Gateways are usable but not very </a:t>
-            </a:r>
-            <a:r>
-              <a:rPr lang="en-US" dirty="0" smtClean="0">
-                <a:solidFill>
-                  <a:schemeClr val="tx1"/>
-                </a:solidFill>
-                <a:cs typeface="Times New Roman" pitchFamily="18" charset="0"/>
-              </a:rPr>
-              <a:t>flexible</a:t>
+              <a:t>Intellectual Motivation:  Gateways are usable but not very flexible</a:t>
             </a:r>
           </a:p>
           <a:p>
@@ -3873,7 +3776,7 @@
     </p:spTree>
     <p:extLst>
       <p:ext uri="{BB962C8B-B14F-4D97-AF65-F5344CB8AC3E}">
-        <p14:creationId xmlns="" xmlns:a="http://schemas.openxmlformats.org/drawingml/2006/main" xmlns:r="http://schemas.openxmlformats.org/officeDocument/2006/relationships" xmlns:p="http://schemas.openxmlformats.org/presentationml/2006/main" xmlns:p14="http://schemas.microsoft.com/office/powerpoint/2010/main" xmlns:mv="urn:schemas-microsoft-com:mac:vml" xmlns:mc="http://schemas.openxmlformats.org/markup-compatibility/2006" val="1219410101"/>
+        <p14:creationId xmlns:mc="http://schemas.openxmlformats.org/markup-compatibility/2006" xmlns:mv="urn:schemas-microsoft-com:mac:vml" xmlns:p14="http://schemas.microsoft.com/office/powerpoint/2010/main" xmlns:p="http://schemas.openxmlformats.org/presentationml/2006/main" xmlns:r="http://schemas.openxmlformats.org/officeDocument/2006/relationships" xmlns:a="http://schemas.openxmlformats.org/drawingml/2006/main" xmlns="" val="1219410101"/>
       </p:ext>
     </p:extLst>
   </p:cSld>
@@ -4147,7 +4050,7 @@
     </p:spTree>
     <p:extLst>
       <p:ext uri="{BB962C8B-B14F-4D97-AF65-F5344CB8AC3E}">
-        <p14:creationId xmlns="" xmlns:a="http://schemas.openxmlformats.org/drawingml/2006/main" xmlns:r="http://schemas.openxmlformats.org/officeDocument/2006/relationships" xmlns:p="http://schemas.openxmlformats.org/presentationml/2006/main" xmlns:p14="http://schemas.microsoft.com/office/powerpoint/2010/main" xmlns:mv="urn:schemas-microsoft-com:mac:vml" xmlns:mc="http://schemas.openxmlformats.org/markup-compatibility/2006" val="22429297"/>
+        <p14:creationId xmlns:mc="http://schemas.openxmlformats.org/markup-compatibility/2006" xmlns:mv="urn:schemas-microsoft-com:mac:vml" xmlns:p14="http://schemas.microsoft.com/office/powerpoint/2010/main" xmlns:p="http://schemas.openxmlformats.org/presentationml/2006/main" xmlns:r="http://schemas.openxmlformats.org/officeDocument/2006/relationships" xmlns:a="http://schemas.openxmlformats.org/drawingml/2006/main" xmlns="" val="22429297"/>
       </p:ext>
     </p:extLst>
   </p:cSld>
@@ -5878,7 +5781,7 @@
     </p:spTree>
     <p:extLst>
       <p:ext uri="{BB962C8B-B14F-4D97-AF65-F5344CB8AC3E}">
-        <p14:creationId xmlns="" xmlns:a="http://schemas.openxmlformats.org/drawingml/2006/main" xmlns:r="http://schemas.openxmlformats.org/officeDocument/2006/relationships" xmlns:p="http://schemas.openxmlformats.org/presentationml/2006/main" xmlns:p14="http://schemas.microsoft.com/office/powerpoint/2010/main" xmlns:mv="urn:schemas-microsoft-com:mac:vml" xmlns:mc="http://schemas.openxmlformats.org/markup-compatibility/2006" val="1320685174"/>
+        <p14:creationId xmlns:mc="http://schemas.openxmlformats.org/markup-compatibility/2006" xmlns:mv="urn:schemas-microsoft-com:mac:vml" xmlns:p14="http://schemas.microsoft.com/office/powerpoint/2010/main" xmlns:p="http://schemas.openxmlformats.org/presentationml/2006/main" xmlns:r="http://schemas.openxmlformats.org/officeDocument/2006/relationships" xmlns:a="http://schemas.openxmlformats.org/drawingml/2006/main" xmlns="" val="1320685174"/>
       </p:ext>
     </p:extLst>
   </p:cSld>
@@ -6418,7 +6321,7 @@
     </p:spTree>
     <p:extLst>
       <p:ext uri="{BB962C8B-B14F-4D97-AF65-F5344CB8AC3E}">
-        <p14:creationId xmlns="" xmlns:a="http://schemas.openxmlformats.org/drawingml/2006/main" xmlns:r="http://schemas.openxmlformats.org/officeDocument/2006/relationships" xmlns:p="http://schemas.openxmlformats.org/presentationml/2006/main" xmlns:p14="http://schemas.microsoft.com/office/powerpoint/2010/main" xmlns:mv="urn:schemas-microsoft-com:mac:vml" xmlns:mc="http://schemas.openxmlformats.org/markup-compatibility/2006" val="1169393448"/>
+        <p14:creationId xmlns:mc="http://schemas.openxmlformats.org/markup-compatibility/2006" xmlns:mv="urn:schemas-microsoft-com:mac:vml" xmlns:p14="http://schemas.microsoft.com/office/powerpoint/2010/main" xmlns:p="http://schemas.openxmlformats.org/presentationml/2006/main" xmlns:r="http://schemas.openxmlformats.org/officeDocument/2006/relationships" xmlns:a="http://schemas.openxmlformats.org/drawingml/2006/main" xmlns="" val="1169393448"/>
       </p:ext>
     </p:extLst>
   </p:cSld>
@@ -6560,7 +6463,7 @@
     </p:spTree>
     <p:extLst>
       <p:ext uri="{BB962C8B-B14F-4D97-AF65-F5344CB8AC3E}">
-        <p14:creationId xmlns="" xmlns:a="http://schemas.openxmlformats.org/drawingml/2006/main" xmlns:r="http://schemas.openxmlformats.org/officeDocument/2006/relationships" xmlns:p="http://schemas.openxmlformats.org/presentationml/2006/main" xmlns:p14="http://schemas.microsoft.com/office/powerpoint/2010/main" xmlns:mv="urn:schemas-microsoft-com:mac:vml" xmlns:mc="http://schemas.openxmlformats.org/markup-compatibility/2006" val="2641220109"/>
+        <p14:creationId xmlns:mc="http://schemas.openxmlformats.org/markup-compatibility/2006" xmlns:mv="urn:schemas-microsoft-com:mac:vml" xmlns:p14="http://schemas.microsoft.com/office/powerpoint/2010/main" xmlns:p="http://schemas.openxmlformats.org/presentationml/2006/main" xmlns:r="http://schemas.openxmlformats.org/officeDocument/2006/relationships" xmlns:a="http://schemas.openxmlformats.org/drawingml/2006/main" xmlns="" val="2641220109"/>
       </p:ext>
     </p:extLst>
   </p:cSld>
@@ -6830,7 +6733,7 @@
     </p:spTree>
     <p:extLst>
       <p:ext uri="{BB962C8B-B14F-4D97-AF65-F5344CB8AC3E}">
-        <p14:creationId xmlns="" xmlns:a="http://schemas.openxmlformats.org/drawingml/2006/main" xmlns:r="http://schemas.openxmlformats.org/officeDocument/2006/relationships" xmlns:p="http://schemas.openxmlformats.org/presentationml/2006/main" xmlns:p14="http://schemas.microsoft.com/office/powerpoint/2010/main" xmlns:mv="urn:schemas-microsoft-com:mac:vml" xmlns:mc="http://schemas.openxmlformats.org/markup-compatibility/2006" val="1962408562"/>
+        <p14:creationId xmlns:mc="http://schemas.openxmlformats.org/markup-compatibility/2006" xmlns:mv="urn:schemas-microsoft-com:mac:vml" xmlns:p14="http://schemas.microsoft.com/office/powerpoint/2010/main" xmlns:p="http://schemas.openxmlformats.org/presentationml/2006/main" xmlns:r="http://schemas.openxmlformats.org/officeDocument/2006/relationships" xmlns:a="http://schemas.openxmlformats.org/drawingml/2006/main" xmlns="" val="1962408562"/>
       </p:ext>
     </p:extLst>
   </p:cSld>
@@ -7359,506 +7262,6 @@
       </p:par>
     </p:tnLst>
   </p:timing>
-</p:sld>
-</file>
-
-<file path=ppt/slides/slide20.xml><?xml version="1.0" encoding="utf-8"?>
-<p:sld xmlns:a="http://schemas.openxmlformats.org/drawingml/2006/main" xmlns:r="http://schemas.openxmlformats.org/officeDocument/2006/relationships" xmlns:mc="http://schemas.openxmlformats.org/markup-compatibility/2006" xmlns:mv="urn:schemas-microsoft-com:mac:vml" xmlns:p="http://schemas.openxmlformats.org/presentationml/2006/main" mc:Ignorable="mv" mc:PreserveAttributes="mv:*">
-  <p:cSld>
-    <p:spTree>
-      <p:nvGrpSpPr>
-        <p:cNvPr id="1" name=""/>
-        <p:cNvGrpSpPr/>
-        <p:nvPr/>
-      </p:nvGrpSpPr>
-      <p:grpSpPr>
-        <a:xfrm>
-          <a:off x="0" y="0"/>
-          <a:ext cx="0" cy="0"/>
-          <a:chOff x="0" y="0"/>
-          <a:chExt cx="0" cy="0"/>
-        </a:xfrm>
-      </p:grpSpPr>
-      <p:sp>
-        <p:nvSpPr>
-          <p:cNvPr id="2" name="Title 1"/>
-          <p:cNvSpPr>
-            <a:spLocks noGrp="1"/>
-          </p:cNvSpPr>
-          <p:nvPr>
-            <p:ph type="title"/>
-          </p:nvPr>
-        </p:nvSpPr>
-        <p:spPr/>
-        <p:txBody>
-          <a:bodyPr/>
-          <a:lstStyle/>
-          <a:p>
-            <a:r>
-              <a:rPr lang="en-US" dirty="0" smtClean="0"/>
-              <a:t>DARE-</a:t>
-            </a:r>
-            <a:r>
-              <a:rPr lang="en-US" dirty="0" err="1" smtClean="0"/>
-              <a:t>BigJob</a:t>
-            </a:r>
-            <a:r>
-              <a:rPr lang="en-US" dirty="0" smtClean="0"/>
-              <a:t>: Implementation	</a:t>
-            </a:r>
-            <a:endParaRPr lang="en-US" dirty="0"/>
-          </a:p>
-        </p:txBody>
-      </p:sp>
-      <p:sp>
-        <p:nvSpPr>
-          <p:cNvPr id="3" name="Content Placeholder 2"/>
-          <p:cNvSpPr>
-            <a:spLocks noGrp="1"/>
-          </p:cNvSpPr>
-          <p:nvPr>
-            <p:ph idx="1"/>
-          </p:nvPr>
-        </p:nvSpPr>
-        <p:spPr/>
-        <p:txBody>
-          <a:bodyPr/>
-          <a:lstStyle/>
-          <a:p>
-            <a:pPr marL="342900" lvl="1" indent="-342900">
-              <a:buFont typeface="Arial" pitchFamily="34" charset="0"/>
-              <a:buChar char="•"/>
-            </a:pPr>
-            <a:r>
-              <a:rPr lang="en-US" sz="2000" dirty="0">
-                <a:solidFill>
-                  <a:schemeClr val="tx1"/>
-                </a:solidFill>
-                <a:cs typeface="Times New Roman" pitchFamily="18" charset="0"/>
-              </a:rPr>
-              <a:t>Celery strength is to execute short running tasks with a task queue. </a:t>
-            </a:r>
-            <a:endParaRPr lang="en-US" sz="2000" dirty="0" smtClean="0">
-              <a:solidFill>
-                <a:schemeClr val="tx1"/>
-              </a:solidFill>
-              <a:cs typeface="Times New Roman" pitchFamily="18" charset="0"/>
-            </a:endParaRPr>
-          </a:p>
-          <a:p>
-            <a:pPr marL="342900" lvl="1" indent="-342900">
-              <a:buFont typeface="Arial" pitchFamily="34" charset="0"/>
-              <a:buChar char="•"/>
-            </a:pPr>
-            <a:r>
-              <a:rPr lang="en-US" sz="2000" dirty="0" smtClean="0">
-                <a:solidFill>
-                  <a:schemeClr val="tx1"/>
-                </a:solidFill>
-                <a:cs typeface="Times New Roman" pitchFamily="18" charset="0"/>
-              </a:rPr>
-              <a:t>We </a:t>
-            </a:r>
-            <a:r>
-              <a:rPr lang="en-US" sz="2000" dirty="0">
-                <a:solidFill>
-                  <a:schemeClr val="tx1"/>
-                </a:solidFill>
-                <a:cs typeface="Times New Roman" pitchFamily="18" charset="0"/>
-              </a:rPr>
-              <a:t>leverage this functionality by creating </a:t>
-            </a:r>
-            <a:r>
-              <a:rPr lang="en-US" sz="2000" dirty="0" smtClean="0">
-                <a:solidFill>
-                  <a:schemeClr val="tx1"/>
-                </a:solidFill>
-                <a:cs typeface="Times New Roman" pitchFamily="18" charset="0"/>
-              </a:rPr>
-              <a:t>tasks in that queue for the following </a:t>
-            </a:r>
-          </a:p>
-          <a:p>
-            <a:pPr marL="742950" lvl="2" indent="-342900"/>
-            <a:r>
-              <a:rPr lang="en-US" sz="2000" dirty="0">
-                <a:solidFill>
-                  <a:schemeClr val="tx1"/>
-                </a:solidFill>
-                <a:cs typeface="Times New Roman" pitchFamily="18" charset="0"/>
-              </a:rPr>
-              <a:t>T</a:t>
-            </a:r>
-            <a:r>
-              <a:rPr lang="en-US" sz="2000" dirty="0" smtClean="0">
-                <a:solidFill>
-                  <a:schemeClr val="tx1"/>
-                </a:solidFill>
-                <a:cs typeface="Times New Roman" pitchFamily="18" charset="0"/>
-              </a:rPr>
-              <a:t>ask </a:t>
-            </a:r>
-            <a:r>
-              <a:rPr lang="en-US" sz="2000" dirty="0">
-                <a:solidFill>
-                  <a:schemeClr val="tx1"/>
-                </a:solidFill>
-                <a:cs typeface="Times New Roman" pitchFamily="18" charset="0"/>
-              </a:rPr>
-              <a:t>queue for starting/stopping Pilot agents, compute units </a:t>
-            </a:r>
-            <a:endParaRPr lang="en-US" sz="2000" dirty="0" smtClean="0">
-              <a:solidFill>
-                <a:schemeClr val="tx1"/>
-              </a:solidFill>
-              <a:cs typeface="Times New Roman" pitchFamily="18" charset="0"/>
-            </a:endParaRPr>
-          </a:p>
-          <a:p>
-            <a:pPr marL="742950" lvl="2" indent="-342900"/>
-            <a:r>
-              <a:rPr lang="en-US" sz="2000" dirty="0">
-                <a:solidFill>
-                  <a:schemeClr val="tx1"/>
-                </a:solidFill>
-                <a:cs typeface="Times New Roman" pitchFamily="18" charset="0"/>
-              </a:rPr>
-              <a:t>S</a:t>
-            </a:r>
-            <a:r>
-              <a:rPr lang="en-US" sz="2000" dirty="0" smtClean="0">
-                <a:solidFill>
-                  <a:schemeClr val="tx1"/>
-                </a:solidFill>
-                <a:cs typeface="Times New Roman" pitchFamily="18" charset="0"/>
-              </a:rPr>
-              <a:t>tatus </a:t>
-            </a:r>
-            <a:r>
-              <a:rPr lang="en-US" sz="2000" dirty="0">
-                <a:solidFill>
-                  <a:schemeClr val="tx1"/>
-                </a:solidFill>
-                <a:cs typeface="Times New Roman" pitchFamily="18" charset="0"/>
-              </a:rPr>
-              <a:t>reporting for the user on the website about the task and pilot statuses</a:t>
-            </a:r>
-            <a:r>
-              <a:rPr lang="en-US" sz="2000" dirty="0" smtClean="0">
-                <a:solidFill>
-                  <a:schemeClr val="tx1"/>
-                </a:solidFill>
-                <a:cs typeface="Times New Roman" pitchFamily="18" charset="0"/>
-              </a:rPr>
-              <a:t>.</a:t>
-            </a:r>
-          </a:p>
-          <a:p>
-            <a:pPr marL="342900" lvl="1" indent="-342900">
-              <a:buFont typeface="Arial" pitchFamily="34" charset="0"/>
-              <a:buChar char="•"/>
-            </a:pPr>
-            <a:r>
-              <a:rPr lang="en-US" sz="2000" dirty="0">
-                <a:solidFill>
-                  <a:prstClr val="black"/>
-                </a:solidFill>
-                <a:cs typeface="Times New Roman" pitchFamily="18" charset="0"/>
-              </a:rPr>
-              <a:t>C</a:t>
-            </a:r>
-            <a:r>
-              <a:rPr lang="en-US" sz="2000" dirty="0" smtClean="0">
-                <a:solidFill>
-                  <a:prstClr val="black"/>
-                </a:solidFill>
-                <a:cs typeface="Times New Roman" pitchFamily="18" charset="0"/>
-              </a:rPr>
-              <a:t>elery </a:t>
-            </a:r>
-            <a:r>
-              <a:rPr lang="en-US" sz="2000" dirty="0">
-                <a:solidFill>
-                  <a:prstClr val="black"/>
-                </a:solidFill>
-                <a:cs typeface="Times New Roman" pitchFamily="18" charset="0"/>
-              </a:rPr>
-              <a:t>invokes asynchronous </a:t>
-            </a:r>
-            <a:r>
-              <a:rPr lang="en-US" sz="2000" dirty="0" smtClean="0">
-                <a:solidFill>
-                  <a:prstClr val="black"/>
-                </a:solidFill>
-                <a:cs typeface="Times New Roman" pitchFamily="18" charset="0"/>
-              </a:rPr>
-              <a:t>BigJob </a:t>
-            </a:r>
-            <a:r>
-              <a:rPr lang="en-US" sz="2000" dirty="0">
-                <a:solidFill>
-                  <a:prstClr val="black"/>
-                </a:solidFill>
-                <a:cs typeface="Times New Roman" pitchFamily="18" charset="0"/>
-              </a:rPr>
-              <a:t>calls for creating pilots/</a:t>
-            </a:r>
-            <a:r>
-              <a:rPr lang="en-US" sz="2000" dirty="0" smtClean="0">
-                <a:solidFill>
-                  <a:prstClr val="black"/>
-                </a:solidFill>
-                <a:cs typeface="Times New Roman" pitchFamily="18" charset="0"/>
-              </a:rPr>
-              <a:t>tasks</a:t>
-            </a:r>
-          </a:p>
-          <a:p>
-            <a:pPr marL="342900" lvl="1" indent="-342900">
-              <a:buNone/>
-            </a:pPr>
-            <a:endParaRPr lang="en-US" sz="2000" dirty="0" smtClean="0">
-              <a:solidFill>
-                <a:prstClr val="black"/>
-              </a:solidFill>
-              <a:latin typeface="Times New Roman" pitchFamily="18" charset="0"/>
-              <a:cs typeface="Times New Roman" pitchFamily="18" charset="0"/>
-            </a:endParaRPr>
-          </a:p>
-          <a:p>
-            <a:pPr marL="0" lvl="1" indent="0">
-              <a:buNone/>
-            </a:pPr>
-            <a:endParaRPr lang="en-US" sz="2000" dirty="0" smtClean="0"/>
-          </a:p>
-          <a:p>
-            <a:pPr marL="0" indent="0">
-              <a:buNone/>
-            </a:pPr>
-            <a:endParaRPr lang="en-US" sz="2000" dirty="0"/>
-          </a:p>
-        </p:txBody>
-      </p:sp>
-    </p:spTree>
-    <p:extLst>
-      <p:ext uri="{BB962C8B-B14F-4D97-AF65-F5344CB8AC3E}">
-        <p14:creationId xmlns="" xmlns:a="http://schemas.openxmlformats.org/drawingml/2006/main" xmlns:r="http://schemas.openxmlformats.org/officeDocument/2006/relationships" xmlns:p="http://schemas.openxmlformats.org/presentationml/2006/main" xmlns:p14="http://schemas.microsoft.com/office/powerpoint/2010/main" xmlns:mv="urn:schemas-microsoft-com:mac:vml" xmlns:mc="http://schemas.openxmlformats.org/markup-compatibility/2006" val="3364032269"/>
-      </p:ext>
-    </p:extLst>
-  </p:cSld>
-  <p:clrMapOvr>
-    <a:masterClrMapping/>
-  </p:clrMapOvr>
-</p:sld>
-</file>
-
-<file path=ppt/slides/slide21.xml><?xml version="1.0" encoding="utf-8"?>
-<p:sld xmlns:a="http://schemas.openxmlformats.org/drawingml/2006/main" xmlns:r="http://schemas.openxmlformats.org/officeDocument/2006/relationships" xmlns:mc="http://schemas.openxmlformats.org/markup-compatibility/2006" xmlns:mv="urn:schemas-microsoft-com:mac:vml" xmlns:p="http://schemas.openxmlformats.org/presentationml/2006/main" mc:Ignorable="mv" mc:PreserveAttributes="mv:*">
-  <p:cSld>
-    <p:spTree>
-      <p:nvGrpSpPr>
-        <p:cNvPr id="1" name=""/>
-        <p:cNvGrpSpPr/>
-        <p:nvPr/>
-      </p:nvGrpSpPr>
-      <p:grpSpPr>
-        <a:xfrm>
-          <a:off x="0" y="0"/>
-          <a:ext cx="0" cy="0"/>
-          <a:chOff x="0" y="0"/>
-          <a:chExt cx="0" cy="0"/>
-        </a:xfrm>
-      </p:grpSpPr>
-      <p:sp>
-        <p:nvSpPr>
-          <p:cNvPr id="2" name="Title 1"/>
-          <p:cNvSpPr>
-            <a:spLocks noGrp="1"/>
-          </p:cNvSpPr>
-          <p:nvPr>
-            <p:ph type="title"/>
-          </p:nvPr>
-        </p:nvSpPr>
-        <p:spPr/>
-        <p:txBody>
-          <a:bodyPr/>
-          <a:lstStyle/>
-          <a:p>
-            <a:r>
-              <a:rPr lang="en-US" dirty="0" smtClean="0"/>
-              <a:t>DARE-</a:t>
-            </a:r>
-            <a:r>
-              <a:rPr lang="en-US" dirty="0" err="1" smtClean="0"/>
-              <a:t>BigJob</a:t>
-            </a:r>
-            <a:r>
-              <a:rPr lang="en-US" dirty="0" smtClean="0"/>
-              <a:t>: Implementation </a:t>
-            </a:r>
-            <a:endParaRPr lang="en-US" dirty="0"/>
-          </a:p>
-        </p:txBody>
-      </p:sp>
-      <p:sp>
-        <p:nvSpPr>
-          <p:cNvPr id="3" name="Content Placeholder 2"/>
-          <p:cNvSpPr>
-            <a:spLocks noGrp="1"/>
-          </p:cNvSpPr>
-          <p:nvPr>
-            <p:ph idx="1"/>
-          </p:nvPr>
-        </p:nvSpPr>
-        <p:spPr/>
-        <p:txBody>
-          <a:bodyPr>
-            <a:normAutofit lnSpcReduction="10000"/>
-          </a:bodyPr>
-          <a:lstStyle/>
-          <a:p>
-            <a:pPr marL="914400" lvl="1" indent="-457200">
-              <a:buFont typeface="Arial"/>
-              <a:buChar char="•"/>
-            </a:pPr>
-            <a:r>
-              <a:rPr lang="en-US" dirty="0" smtClean="0">
-                <a:solidFill>
-                  <a:schemeClr val="tx1"/>
-                </a:solidFill>
-                <a:cs typeface="Times New Roman" pitchFamily="18" charset="0"/>
-              </a:rPr>
-              <a:t>The gateway uses a website to define task, create a pilot and provide input files to run the job. </a:t>
-            </a:r>
-          </a:p>
-          <a:p>
-            <a:pPr marL="914400" lvl="1" indent="-457200">
-              <a:buFont typeface="Arial"/>
-              <a:buChar char="•"/>
-            </a:pPr>
-            <a:endParaRPr lang="en-US" dirty="0" smtClean="0">
-              <a:solidFill>
-                <a:schemeClr val="tx1"/>
-              </a:solidFill>
-              <a:cs typeface="Times New Roman" pitchFamily="18" charset="0"/>
-            </a:endParaRPr>
-          </a:p>
-          <a:p>
-            <a:pPr marL="914400" lvl="1" indent="-457200">
-              <a:buFont typeface="Arial"/>
-              <a:buChar char="•"/>
-            </a:pPr>
-            <a:r>
-              <a:rPr lang="en-US" dirty="0" smtClean="0">
-                <a:solidFill>
-                  <a:schemeClr val="tx1"/>
-                </a:solidFill>
-                <a:cs typeface="Times New Roman" pitchFamily="18" charset="0"/>
-              </a:rPr>
-              <a:t>The user is exposed to very little python syntax so that scientists from different fields can focus on submitting jobs to the gateway instead of spending time installation, setup and debugging the code</a:t>
-            </a:r>
-          </a:p>
-          <a:p>
-            <a:pPr marL="914400" lvl="1" indent="-457200">
-              <a:buFont typeface="Arial"/>
-              <a:buChar char="•"/>
-            </a:pPr>
-            <a:endParaRPr lang="en-US" dirty="0" smtClean="0">
-              <a:solidFill>
-                <a:schemeClr val="tx1"/>
-              </a:solidFill>
-              <a:cs typeface="Times New Roman" pitchFamily="18" charset="0"/>
-            </a:endParaRPr>
-          </a:p>
-          <a:p>
-            <a:pPr marL="914400" lvl="1" indent="-457200">
-              <a:buFont typeface="Arial"/>
-              <a:buChar char="•"/>
-            </a:pPr>
-            <a:r>
-              <a:rPr lang="en-US" dirty="0" smtClean="0">
-                <a:solidFill>
-                  <a:schemeClr val="tx1"/>
-                </a:solidFill>
-                <a:cs typeface="Times New Roman" pitchFamily="18" charset="0"/>
-              </a:rPr>
-              <a:t>All the task submitted to a pilot will have same jobid and pilot url to keep track of each tasks. The user entered tasks specific information is validated and stored into Django Models( database). </a:t>
-            </a:r>
-          </a:p>
-          <a:p>
-            <a:pPr marL="914400" lvl="1" indent="-457200">
-              <a:buFont typeface="Arial"/>
-              <a:buChar char="•"/>
-            </a:pPr>
-            <a:endParaRPr lang="en-US" dirty="0" smtClean="0">
-              <a:solidFill>
-                <a:schemeClr val="tx1"/>
-              </a:solidFill>
-              <a:cs typeface="Times New Roman" pitchFamily="18" charset="0"/>
-            </a:endParaRPr>
-          </a:p>
-          <a:p>
-            <a:pPr marL="914400" lvl="1" indent="-457200">
-              <a:buFont typeface="Arial"/>
-              <a:buChar char="•"/>
-            </a:pPr>
-            <a:r>
-              <a:rPr lang="en-US" dirty="0" smtClean="0">
-                <a:solidFill>
-                  <a:schemeClr val="tx1"/>
-                </a:solidFill>
-                <a:cs typeface="Times New Roman" pitchFamily="18" charset="0"/>
-              </a:rPr>
-              <a:t>Celery acts as a messenger between the Web frontend and SAGA BigJob. It passes the new tasks onto the pilot container so that BigJob manager can schedule these tasks on respective resources.</a:t>
-            </a:r>
-          </a:p>
-          <a:p>
-            <a:pPr marL="914400" lvl="1" indent="-457200">
-              <a:buNone/>
-            </a:pPr>
-            <a:r>
-              <a:rPr lang="en-US" dirty="0" smtClean="0">
-                <a:solidFill>
-                  <a:schemeClr val="tx1"/>
-                </a:solidFill>
-                <a:cs typeface="Times New Roman" pitchFamily="18" charset="0"/>
-              </a:rPr>
-              <a:t> </a:t>
-            </a:r>
-          </a:p>
-          <a:p>
-            <a:pPr marL="914400" lvl="1" indent="-457200">
-              <a:buFont typeface="Arial"/>
-              <a:buChar char="•"/>
-            </a:pPr>
-            <a:endParaRPr lang="en-US" dirty="0" smtClean="0">
-              <a:solidFill>
-                <a:schemeClr val="tx1"/>
-              </a:solidFill>
-              <a:cs typeface="Times New Roman" pitchFamily="18" charset="0"/>
-            </a:endParaRPr>
-          </a:p>
-          <a:p>
-            <a:pPr marL="514350" indent="-514350">
-              <a:buFont typeface="Arial"/>
-              <a:buChar char="•"/>
-            </a:pPr>
-            <a:endParaRPr lang="en-US" sz="1800" dirty="0" smtClean="0">
-              <a:cs typeface="Times New Roman" pitchFamily="18" charset="0"/>
-            </a:endParaRPr>
-          </a:p>
-        </p:txBody>
-      </p:sp>
-    </p:spTree>
-    <p:extLst>
-      <p:ext uri="{BB962C8B-B14F-4D97-AF65-F5344CB8AC3E}">
-        <p14:creationId xmlns="" xmlns:a="http://schemas.openxmlformats.org/drawingml/2006/main" xmlns:r="http://schemas.openxmlformats.org/officeDocument/2006/relationships" xmlns:p="http://schemas.openxmlformats.org/presentationml/2006/main" xmlns:p14="http://schemas.microsoft.com/office/powerpoint/2010/main" xmlns:mv="urn:schemas-microsoft-com:mac:vml" xmlns:mc="http://schemas.openxmlformats.org/markup-compatibility/2006" val="4035670583"/>
-      </p:ext>
-    </p:extLst>
-  </p:cSld>
-  <p:clrMapOvr>
-    <a:masterClrMapping/>
-  </p:clrMapOvr>
 </p:sld>
 </file>
 

--- a/dare-egi.v1.0.pptx
+++ b/dare-egi.v1.0.pptx
@@ -212,7 +212,7 @@
             <a:fld id="{B8744252-FBC8-4416-BAAD-39B86ECB2C35}" type="datetimeFigureOut">
               <a:rPr lang="en-US" smtClean="0"/>
               <a:pPr/>
-              <a:t>4/13/13</a:t>
+              <a:t>7/13/13</a:t>
             </a:fld>
             <a:endParaRPr lang="en-US"/>
           </a:p>
@@ -381,7 +381,7 @@
     </p:spTree>
     <p:extLst>
       <p:ext uri="{BB962C8B-B14F-4D97-AF65-F5344CB8AC3E}">
-        <p14:creationId xmlns:mc="http://schemas.openxmlformats.org/markup-compatibility/2006" xmlns:mv="urn:schemas-microsoft-com:mac:vml" xmlns:p14="http://schemas.microsoft.com/office/powerpoint/2010/main" xmlns:p="http://schemas.openxmlformats.org/presentationml/2006/main" xmlns:r="http://schemas.openxmlformats.org/officeDocument/2006/relationships" xmlns:a="http://schemas.openxmlformats.org/drawingml/2006/main" xmlns="" val="1825793898"/>
+        <p14:creationId xmlns="" xmlns:a="http://schemas.openxmlformats.org/drawingml/2006/main" xmlns:r="http://schemas.openxmlformats.org/officeDocument/2006/relationships" xmlns:p="http://schemas.openxmlformats.org/presentationml/2006/main" xmlns:p14="http://schemas.microsoft.com/office/powerpoint/2010/main" xmlns:mv="urn:schemas-microsoft-com:mac:vml" xmlns:mc="http://schemas.openxmlformats.org/markup-compatibility/2006" val="1825793898"/>
       </p:ext>
     </p:extLst>
   </p:cSld>
@@ -836,7 +836,7 @@
     </p:spTree>
     <p:extLst>
       <p:ext uri="{BB962C8B-B14F-4D97-AF65-F5344CB8AC3E}">
-        <p14:creationId xmlns:mc="http://schemas.openxmlformats.org/markup-compatibility/2006" xmlns:mv="urn:schemas-microsoft-com:mac:vml" xmlns:p14="http://schemas.microsoft.com/office/powerpoint/2010/main" xmlns:p="http://schemas.openxmlformats.org/presentationml/2006/main" xmlns:r="http://schemas.openxmlformats.org/officeDocument/2006/relationships" xmlns:a="http://schemas.openxmlformats.org/drawingml/2006/main" xmlns="" val="524244673"/>
+        <p14:creationId xmlns="" xmlns:a="http://schemas.openxmlformats.org/drawingml/2006/main" xmlns:r="http://schemas.openxmlformats.org/officeDocument/2006/relationships" xmlns:p="http://schemas.openxmlformats.org/presentationml/2006/main" xmlns:p14="http://schemas.microsoft.com/office/powerpoint/2010/main" xmlns:mv="urn:schemas-microsoft-com:mac:vml" xmlns:mc="http://schemas.openxmlformats.org/markup-compatibility/2006" val="524244673"/>
       </p:ext>
     </p:extLst>
   </p:cSld>
@@ -3776,7 +3776,7 @@
     </p:spTree>
     <p:extLst>
       <p:ext uri="{BB962C8B-B14F-4D97-AF65-F5344CB8AC3E}">
-        <p14:creationId xmlns:mc="http://schemas.openxmlformats.org/markup-compatibility/2006" xmlns:mv="urn:schemas-microsoft-com:mac:vml" xmlns:p14="http://schemas.microsoft.com/office/powerpoint/2010/main" xmlns:p="http://schemas.openxmlformats.org/presentationml/2006/main" xmlns:r="http://schemas.openxmlformats.org/officeDocument/2006/relationships" xmlns:a="http://schemas.openxmlformats.org/drawingml/2006/main" xmlns="" val="1219410101"/>
+        <p14:creationId xmlns="" xmlns:a="http://schemas.openxmlformats.org/drawingml/2006/main" xmlns:r="http://schemas.openxmlformats.org/officeDocument/2006/relationships" xmlns:p="http://schemas.openxmlformats.org/presentationml/2006/main" xmlns:p14="http://schemas.microsoft.com/office/powerpoint/2010/main" xmlns:mv="urn:schemas-microsoft-com:mac:vml" xmlns:mc="http://schemas.openxmlformats.org/markup-compatibility/2006" val="1219410101"/>
       </p:ext>
     </p:extLst>
   </p:cSld>
@@ -4050,7 +4050,7 @@
     </p:spTree>
     <p:extLst>
       <p:ext uri="{BB962C8B-B14F-4D97-AF65-F5344CB8AC3E}">
-        <p14:creationId xmlns:mc="http://schemas.openxmlformats.org/markup-compatibility/2006" xmlns:mv="urn:schemas-microsoft-com:mac:vml" xmlns:p14="http://schemas.microsoft.com/office/powerpoint/2010/main" xmlns:p="http://schemas.openxmlformats.org/presentationml/2006/main" xmlns:r="http://schemas.openxmlformats.org/officeDocument/2006/relationships" xmlns:a="http://schemas.openxmlformats.org/drawingml/2006/main" xmlns="" val="22429297"/>
+        <p14:creationId xmlns="" xmlns:a="http://schemas.openxmlformats.org/drawingml/2006/main" xmlns:r="http://schemas.openxmlformats.org/officeDocument/2006/relationships" xmlns:p="http://schemas.openxmlformats.org/presentationml/2006/main" xmlns:p14="http://schemas.microsoft.com/office/powerpoint/2010/main" xmlns:mv="urn:schemas-microsoft-com:mac:vml" xmlns:mc="http://schemas.openxmlformats.org/markup-compatibility/2006" val="22429297"/>
       </p:ext>
     </p:extLst>
   </p:cSld>
@@ -5781,7 +5781,7 @@
     </p:spTree>
     <p:extLst>
       <p:ext uri="{BB962C8B-B14F-4D97-AF65-F5344CB8AC3E}">
-        <p14:creationId xmlns:mc="http://schemas.openxmlformats.org/markup-compatibility/2006" xmlns:mv="urn:schemas-microsoft-com:mac:vml" xmlns:p14="http://schemas.microsoft.com/office/powerpoint/2010/main" xmlns:p="http://schemas.openxmlformats.org/presentationml/2006/main" xmlns:r="http://schemas.openxmlformats.org/officeDocument/2006/relationships" xmlns:a="http://schemas.openxmlformats.org/drawingml/2006/main" xmlns="" val="1320685174"/>
+        <p14:creationId xmlns="" xmlns:a="http://schemas.openxmlformats.org/drawingml/2006/main" xmlns:r="http://schemas.openxmlformats.org/officeDocument/2006/relationships" xmlns:p="http://schemas.openxmlformats.org/presentationml/2006/main" xmlns:p14="http://schemas.microsoft.com/office/powerpoint/2010/main" xmlns:mv="urn:schemas-microsoft-com:mac:vml" xmlns:mc="http://schemas.openxmlformats.org/markup-compatibility/2006" val="1320685174"/>
       </p:ext>
     </p:extLst>
   </p:cSld>
@@ -6321,7 +6321,7 @@
     </p:spTree>
     <p:extLst>
       <p:ext uri="{BB962C8B-B14F-4D97-AF65-F5344CB8AC3E}">
-        <p14:creationId xmlns:mc="http://schemas.openxmlformats.org/markup-compatibility/2006" xmlns:mv="urn:schemas-microsoft-com:mac:vml" xmlns:p14="http://schemas.microsoft.com/office/powerpoint/2010/main" xmlns:p="http://schemas.openxmlformats.org/presentationml/2006/main" xmlns:r="http://schemas.openxmlformats.org/officeDocument/2006/relationships" xmlns:a="http://schemas.openxmlformats.org/drawingml/2006/main" xmlns="" val="1169393448"/>
+        <p14:creationId xmlns="" xmlns:a="http://schemas.openxmlformats.org/drawingml/2006/main" xmlns:r="http://schemas.openxmlformats.org/officeDocument/2006/relationships" xmlns:p="http://schemas.openxmlformats.org/presentationml/2006/main" xmlns:p14="http://schemas.microsoft.com/office/powerpoint/2010/main" xmlns:mv="urn:schemas-microsoft-com:mac:vml" xmlns:mc="http://schemas.openxmlformats.org/markup-compatibility/2006" val="1169393448"/>
       </p:ext>
     </p:extLst>
   </p:cSld>
@@ -6463,7 +6463,7 @@
     </p:spTree>
     <p:extLst>
       <p:ext uri="{BB962C8B-B14F-4D97-AF65-F5344CB8AC3E}">
-        <p14:creationId xmlns:mc="http://schemas.openxmlformats.org/markup-compatibility/2006" xmlns:mv="urn:schemas-microsoft-com:mac:vml" xmlns:p14="http://schemas.microsoft.com/office/powerpoint/2010/main" xmlns:p="http://schemas.openxmlformats.org/presentationml/2006/main" xmlns:r="http://schemas.openxmlformats.org/officeDocument/2006/relationships" xmlns:a="http://schemas.openxmlformats.org/drawingml/2006/main" xmlns="" val="2641220109"/>
+        <p14:creationId xmlns="" xmlns:a="http://schemas.openxmlformats.org/drawingml/2006/main" xmlns:r="http://schemas.openxmlformats.org/officeDocument/2006/relationships" xmlns:p="http://schemas.openxmlformats.org/presentationml/2006/main" xmlns:p14="http://schemas.microsoft.com/office/powerpoint/2010/main" xmlns:mv="urn:schemas-microsoft-com:mac:vml" xmlns:mc="http://schemas.openxmlformats.org/markup-compatibility/2006" val="2641220109"/>
       </p:ext>
     </p:extLst>
   </p:cSld>
@@ -6733,7 +6733,7 @@
     </p:spTree>
     <p:extLst>
       <p:ext uri="{BB962C8B-B14F-4D97-AF65-F5344CB8AC3E}">
-        <p14:creationId xmlns:mc="http://schemas.openxmlformats.org/markup-compatibility/2006" xmlns:mv="urn:schemas-microsoft-com:mac:vml" xmlns:p14="http://schemas.microsoft.com/office/powerpoint/2010/main" xmlns:p="http://schemas.openxmlformats.org/presentationml/2006/main" xmlns:r="http://schemas.openxmlformats.org/officeDocument/2006/relationships" xmlns:a="http://schemas.openxmlformats.org/drawingml/2006/main" xmlns="" val="1962408562"/>
+        <p14:creationId xmlns="" xmlns:a="http://schemas.openxmlformats.org/drawingml/2006/main" xmlns:r="http://schemas.openxmlformats.org/officeDocument/2006/relationships" xmlns:p="http://schemas.openxmlformats.org/presentationml/2006/main" xmlns:p14="http://schemas.microsoft.com/office/powerpoint/2010/main" xmlns:mv="urn:schemas-microsoft-com:mac:vml" xmlns:mc="http://schemas.openxmlformats.org/markup-compatibility/2006" val="1962408562"/>
       </p:ext>
     </p:extLst>
   </p:cSld>
